--- a/LCC/Python/04c_來個小遊戲2.pptx
+++ b/LCC/Python/04c_來個小遊戲2.pptx
@@ -872,7 +872,7 @@
             <a:fld id="{B61BEF0D-F0BB-DE4B-95CE-6DB70DBA9567}" type="datetimeFigureOut">
               <a:rPr lang="en-US" smtClean="0"/>
               <a:pPr/>
-              <a:t>2/26/2021</a:t>
+              <a:t>3/3/2021</a:t>
             </a:fld>
             <a:endParaRPr lang="en-US" dirty="0"/>
           </a:p>
@@ -1166,7 +1166,7 @@
             <a:fld id="{B61BEF0D-F0BB-DE4B-95CE-6DB70DBA9567}" type="datetimeFigureOut">
               <a:rPr lang="en-US" smtClean="0"/>
               <a:pPr/>
-              <a:t>2/26/2021</a:t>
+              <a:t>3/3/2021</a:t>
             </a:fld>
             <a:endParaRPr lang="en-US" dirty="0"/>
           </a:p>
@@ -1482,7 +1482,7 @@
             <a:fld id="{B61BEF0D-F0BB-DE4B-95CE-6DB70DBA9567}" type="datetimeFigureOut">
               <a:rPr lang="en-US" smtClean="0"/>
               <a:pPr/>
-              <a:t>2/26/2021</a:t>
+              <a:t>3/3/2021</a:t>
             </a:fld>
             <a:endParaRPr lang="en-US" dirty="0"/>
           </a:p>
@@ -1817,7 +1817,7 @@
             <a:fld id="{B61BEF0D-F0BB-DE4B-95CE-6DB70DBA9567}" type="datetimeFigureOut">
               <a:rPr lang="en-US" smtClean="0"/>
               <a:pPr/>
-              <a:t>2/26/2021</a:t>
+              <a:t>3/3/2021</a:t>
             </a:fld>
             <a:endParaRPr lang="en-US" dirty="0"/>
           </a:p>
@@ -2133,7 +2133,7 @@
             <a:fld id="{B61BEF0D-F0BB-DE4B-95CE-6DB70DBA9567}" type="datetimeFigureOut">
               <a:rPr lang="en-US" smtClean="0"/>
               <a:pPr/>
-              <a:t>2/26/2021</a:t>
+              <a:t>3/3/2021</a:t>
             </a:fld>
             <a:endParaRPr lang="en-US" dirty="0"/>
           </a:p>
@@ -2528,7 +2528,7 @@
             <a:fld id="{B61BEF0D-F0BB-DE4B-95CE-6DB70DBA9567}" type="datetimeFigureOut">
               <a:rPr lang="en-US" smtClean="0"/>
               <a:pPr/>
-              <a:t>2/26/2021</a:t>
+              <a:t>3/3/2021</a:t>
             </a:fld>
             <a:endParaRPr lang="en-US" dirty="0"/>
           </a:p>
@@ -2699,7 +2699,7 @@
           <a:p>
             <a:fld id="{55C6B4A9-1611-4792-9094-5F34BCA07E0B}" type="datetimeFigureOut">
               <a:rPr lang="en-US" smtClean="0"/>
-              <a:t>2/26/2021</a:t>
+              <a:t>3/3/2021</a:t>
             </a:fld>
             <a:endParaRPr lang="en-US" dirty="0"/>
           </a:p>
@@ -2880,7 +2880,7 @@
             <a:fld id="{B61BEF0D-F0BB-DE4B-95CE-6DB70DBA9567}" type="datetimeFigureOut">
               <a:rPr lang="en-US" smtClean="0"/>
               <a:pPr/>
-              <a:t>2/26/2021</a:t>
+              <a:t>3/3/2021</a:t>
             </a:fld>
             <a:endParaRPr lang="en-US" dirty="0"/>
           </a:p>
@@ -3052,7 +3052,7 @@
             <a:fld id="{B61BEF0D-F0BB-DE4B-95CE-6DB70DBA9567}" type="datetimeFigureOut">
               <a:rPr lang="en-US" smtClean="0"/>
               <a:pPr/>
-              <a:t>2/26/2021</a:t>
+              <a:t>3/3/2021</a:t>
             </a:fld>
             <a:endParaRPr lang="en-US" dirty="0"/>
           </a:p>
@@ -3301,7 +3301,7 @@
             <a:fld id="{B61BEF0D-F0BB-DE4B-95CE-6DB70DBA9567}" type="datetimeFigureOut">
               <a:rPr lang="en-US" smtClean="0"/>
               <a:pPr/>
-              <a:t>2/26/2021</a:t>
+              <a:t>3/3/2021</a:t>
             </a:fld>
             <a:endParaRPr lang="en-US" dirty="0"/>
           </a:p>
@@ -3534,7 +3534,7 @@
           <a:p>
             <a:fld id="{EB712588-04B1-427B-82EE-E8DB90309F08}" type="datetimeFigureOut">
               <a:rPr lang="en-US" smtClean="0"/>
-              <a:t>2/26/2021</a:t>
+              <a:t>3/3/2021</a:t>
             </a:fld>
             <a:endParaRPr lang="en-US" dirty="0"/>
           </a:p>
@@ -3909,7 +3909,7 @@
             <a:fld id="{B61BEF0D-F0BB-DE4B-95CE-6DB70DBA9567}" type="datetimeFigureOut">
               <a:rPr lang="en-US" smtClean="0"/>
               <a:pPr/>
-              <a:t>2/26/2021</a:t>
+              <a:t>3/3/2021</a:t>
             </a:fld>
             <a:endParaRPr lang="en-US" dirty="0"/>
           </a:p>
@@ -4034,7 +4034,7 @@
             <a:fld id="{B61BEF0D-F0BB-DE4B-95CE-6DB70DBA9567}" type="datetimeFigureOut">
               <a:rPr lang="en-US" smtClean="0"/>
               <a:pPr/>
-              <a:t>2/26/2021</a:t>
+              <a:t>3/3/2021</a:t>
             </a:fld>
             <a:endParaRPr lang="en-US" dirty="0"/>
           </a:p>
@@ -4131,7 +4131,7 @@
             <a:fld id="{B61BEF0D-F0BB-DE4B-95CE-6DB70DBA9567}" type="datetimeFigureOut">
               <a:rPr lang="en-US" smtClean="0"/>
               <a:pPr/>
-              <a:t>2/26/2021</a:t>
+              <a:t>3/3/2021</a:t>
             </a:fld>
             <a:endParaRPr lang="en-US" dirty="0"/>
           </a:p>
@@ -4387,7 +4387,7 @@
           <a:p>
             <a:fld id="{42A54C80-263E-416B-A8E0-580EDEADCBDC}" type="datetimeFigureOut">
               <a:rPr lang="en-US" smtClean="0"/>
-              <a:t>2/26/2021</a:t>
+              <a:t>3/3/2021</a:t>
             </a:fld>
             <a:endParaRPr lang="en-US" dirty="0"/>
           </a:p>
@@ -4694,7 +4694,7 @@
             <a:fld id="{B61BEF0D-F0BB-DE4B-95CE-6DB70DBA9567}" type="datetimeFigureOut">
               <a:rPr lang="en-US" smtClean="0"/>
               <a:pPr/>
-              <a:t>2/26/2021</a:t>
+              <a:t>3/3/2021</a:t>
             </a:fld>
             <a:endParaRPr lang="en-US" dirty="0"/>
           </a:p>
@@ -5397,7 +5397,7 @@
             <a:fld id="{B61BEF0D-F0BB-DE4B-95CE-6DB70DBA9567}" type="datetimeFigureOut">
               <a:rPr lang="en-US" smtClean="0"/>
               <a:pPr/>
-              <a:t>2/26/2021</a:t>
+              <a:t>3/3/2021</a:t>
             </a:fld>
             <a:endParaRPr lang="en-US" dirty="0"/>
           </a:p>
@@ -6009,7 +6009,6 @@
               <a:rPr lang="zh-TW" altLang="en-US" dirty="0"/>
               <a:t>來個小遊戲</a:t>
             </a:r>
-            <a:endParaRPr lang="zh-TW" altLang="en-US" dirty="0"/>
           </a:p>
         </p:txBody>
       </p:sp>
@@ -6038,7 +6037,7 @@
             <a:fld id="{4805910D-2C61-424F-80CE-807290CF0E1E}" type="datetime4">
               <a:rPr lang="zh-TW" altLang="zh-TW"/>
               <a:pPr/>
-              <a:t>110年2月26日星期五</a:t>
+              <a:t>110年3月3日星期三</a:t>
             </a:fld>
             <a:endParaRPr lang="zh-TW" altLang="en-US" dirty="0"/>
           </a:p>
@@ -6486,80 +6485,21 @@
             <a:lstStyle/>
             <a:p>
               <a:r>
-                <a:rPr lang="zh-TW" altLang="en-US" dirty="0" smtClean="0">
+                <a:rPr lang="zh-TW" altLang="en-US" dirty="0">
                   <a:solidFill>
                     <a:schemeClr val="tx1"/>
                   </a:solidFill>
                 </a:rPr>
-                <a:t>請</a:t>
+                <a:t>請記憶： </a:t>
               </a:r>
               <a:r>
-                <a:rPr lang="zh-TW" altLang="en-US" dirty="0" smtClean="0">
+                <a:rPr lang="en-US" altLang="zh-TW" dirty="0">
                   <a:solidFill>
                     <a:schemeClr val="tx1"/>
                   </a:solidFill>
                 </a:rPr>
-                <a:t>輸入</a:t>
+                <a:t>220</a:t>
               </a:r>
-              <a:r>
-                <a:rPr lang="en-US" altLang="zh-TW" dirty="0" smtClean="0">
-                  <a:solidFill>
-                    <a:schemeClr val="tx1"/>
-                  </a:solidFill>
-                </a:rPr>
-                <a:t>(1~100)</a:t>
-              </a:r>
-              <a:r>
-                <a:rPr lang="zh-TW" altLang="en-US" dirty="0" smtClean="0">
-                  <a:solidFill>
-                    <a:schemeClr val="tx1"/>
-                  </a:solidFill>
-                </a:rPr>
-                <a:t>：</a:t>
-              </a:r>
-              <a:r>
-                <a:rPr lang="en-US" altLang="zh-TW" dirty="0" smtClean="0">
-                  <a:solidFill>
-                    <a:srgbClr val="0070C0"/>
-                  </a:solidFill>
-                </a:rPr>
-                <a:t>50</a:t>
-              </a:r>
-              <a:endParaRPr lang="en-US" altLang="zh-TW" dirty="0" smtClean="0">
-                <a:solidFill>
-                  <a:srgbClr val="0070C0"/>
-                </a:solidFill>
-              </a:endParaRPr>
-            </a:p>
-            <a:p>
-              <a:r>
-                <a:rPr lang="zh-TW" altLang="en-US" dirty="0" smtClean="0">
-                  <a:solidFill>
-                    <a:schemeClr val="tx1"/>
-                  </a:solidFill>
-                </a:rPr>
-                <a:t>沒中！</a:t>
-              </a:r>
-              <a:endParaRPr lang="en-US" altLang="zh-TW" dirty="0" smtClean="0">
-                <a:solidFill>
-                  <a:schemeClr val="tx1"/>
-                </a:solidFill>
-              </a:endParaRPr>
-            </a:p>
-            <a:p>
-              <a:r>
-                <a:rPr lang="en-US" altLang="zh-TW" dirty="0" smtClean="0">
-                  <a:solidFill>
-                    <a:schemeClr val="tx1"/>
-                  </a:solidFill>
-                </a:rPr>
-                <a:t>=====================</a:t>
-              </a:r>
-              <a:endParaRPr lang="en-US" altLang="zh-TW" dirty="0" smtClean="0">
-                <a:solidFill>
-                  <a:schemeClr val="tx1"/>
-                </a:solidFill>
-              </a:endParaRPr>
             </a:p>
             <a:p>
               <a:r>
@@ -6568,15 +6508,7 @@
                     <a:schemeClr val="tx1"/>
                   </a:solidFill>
                 </a:rPr>
-                <a:t>請輸入</a:t>
-              </a:r>
-              <a:r>
-                <a:rPr lang="en-US" altLang="zh-TW" dirty="0" smtClean="0">
-                  <a:solidFill>
-                    <a:schemeClr val="tx1"/>
-                  </a:solidFill>
-                </a:rPr>
-                <a:t>(51~100</a:t>
+                <a:t>按下</a:t>
               </a:r>
               <a:r>
                 <a:rPr lang="en-US" altLang="zh-TW" dirty="0">
@@ -6584,71 +6516,7 @@
                     <a:schemeClr val="tx1"/>
                   </a:solidFill>
                 </a:rPr>
-                <a:t>)</a:t>
-              </a:r>
-              <a:r>
-                <a:rPr lang="zh-TW" altLang="en-US" dirty="0" smtClean="0">
-                  <a:solidFill>
-                    <a:schemeClr val="tx1"/>
-                  </a:solidFill>
-                </a:rPr>
-                <a:t>：</a:t>
-              </a:r>
-              <a:r>
-                <a:rPr lang="en-US" altLang="zh-TW" dirty="0" smtClean="0">
-                  <a:solidFill>
-                    <a:srgbClr val="0070C0"/>
-                  </a:solidFill>
-                </a:rPr>
-                <a:t>77</a:t>
-              </a:r>
-              <a:endParaRPr lang="en-US" altLang="zh-TW" dirty="0">
-                <a:solidFill>
-                  <a:srgbClr val="0070C0"/>
-                </a:solidFill>
-              </a:endParaRPr>
-            </a:p>
-            <a:p>
-              <a:r>
-                <a:rPr lang="zh-TW" altLang="en-US" dirty="0">
-                  <a:solidFill>
-                    <a:schemeClr val="tx1"/>
-                  </a:solidFill>
-                </a:rPr>
-                <a:t>沒中</a:t>
-              </a:r>
-              <a:r>
-                <a:rPr lang="zh-TW" altLang="en-US" dirty="0" smtClean="0">
-                  <a:solidFill>
-                    <a:schemeClr val="tx1"/>
-                  </a:solidFill>
-                </a:rPr>
-                <a:t>！</a:t>
-              </a:r>
-              <a:endParaRPr lang="en-US" altLang="zh-TW" dirty="0" smtClean="0">
-                <a:solidFill>
-                  <a:schemeClr val="tx1"/>
-                </a:solidFill>
-              </a:endParaRPr>
-            </a:p>
-            <a:p>
-              <a:r>
-                <a:rPr lang="en-US" altLang="zh-TW" dirty="0">
-                  <a:solidFill>
-                    <a:schemeClr val="tx1"/>
-                  </a:solidFill>
-                </a:rPr>
-                <a:t>=====================</a:t>
-              </a:r>
-            </a:p>
-            <a:p>
-              <a:r>
-                <a:rPr lang="zh-TW" altLang="en-US" dirty="0" smtClean="0">
-                  <a:solidFill>
-                    <a:schemeClr val="tx1"/>
-                  </a:solidFill>
-                </a:rPr>
-                <a:t>請</a:t>
+                <a:t>Enter</a:t>
               </a:r>
               <a:r>
                 <a:rPr lang="zh-TW" altLang="en-US" dirty="0">
@@ -6656,77 +6524,8 @@
                     <a:schemeClr val="tx1"/>
                   </a:solidFill>
                 </a:rPr>
-                <a:t>輸入</a:t>
+                <a:t>開始</a:t>
               </a:r>
-              <a:r>
-                <a:rPr lang="en-US" altLang="zh-TW" dirty="0" smtClean="0">
-                  <a:solidFill>
-                    <a:schemeClr val="tx1"/>
-                  </a:solidFill>
-                </a:rPr>
-                <a:t>(51~76)</a:t>
-              </a:r>
-              <a:r>
-                <a:rPr lang="zh-TW" altLang="en-US" dirty="0" smtClean="0">
-                  <a:solidFill>
-                    <a:schemeClr val="tx1"/>
-                  </a:solidFill>
-                </a:rPr>
-                <a:t>：</a:t>
-              </a:r>
-              <a:r>
-                <a:rPr lang="en-US" altLang="zh-TW" dirty="0" smtClean="0">
-                  <a:solidFill>
-                    <a:srgbClr val="0070C0"/>
-                  </a:solidFill>
-                </a:rPr>
-                <a:t>62</a:t>
-              </a:r>
-              <a:endParaRPr lang="en-US" altLang="zh-TW" dirty="0">
-                <a:solidFill>
-                  <a:srgbClr val="0070C0"/>
-                </a:solidFill>
-              </a:endParaRPr>
-            </a:p>
-            <a:p>
-              <a:r>
-                <a:rPr lang="zh-TW" altLang="en-US" dirty="0">
-                  <a:solidFill>
-                    <a:schemeClr val="tx1"/>
-                  </a:solidFill>
-                </a:rPr>
-                <a:t>恭喜</a:t>
-              </a:r>
-              <a:r>
-                <a:rPr lang="zh-TW" altLang="en-US" dirty="0" smtClean="0">
-                  <a:solidFill>
-                    <a:schemeClr val="tx1"/>
-                  </a:solidFill>
-                </a:rPr>
-                <a:t>猜中了！</a:t>
-              </a:r>
-              <a:endParaRPr lang="en-US" altLang="zh-TW" dirty="0" smtClean="0">
-                <a:solidFill>
-                  <a:schemeClr val="tx1"/>
-                </a:solidFill>
-              </a:endParaRPr>
-            </a:p>
-            <a:p>
-              <a:r>
-                <a:rPr lang="en-US" altLang="zh-TW" dirty="0" smtClean="0">
-                  <a:solidFill>
-                    <a:schemeClr val="tx1"/>
-                  </a:solidFill>
-                </a:rPr>
-                <a:t>=====================</a:t>
-              </a:r>
-              <a:endParaRPr lang="en-US" altLang="zh-TW" dirty="0">
-                <a:solidFill>
-                  <a:schemeClr val="tx1"/>
-                </a:solidFill>
-              </a:endParaRPr>
-            </a:p>
-            <a:p>
               <a:endParaRPr lang="zh-TW" altLang="en-US" dirty="0">
                 <a:solidFill>
                   <a:schemeClr val="tx1"/>
@@ -6784,6 +6583,349 @@
           </p:txBody>
         </p:sp>
       </p:grpSp>
+      <p:sp>
+        <p:nvSpPr>
+          <p:cNvPr id="8" name="矩形 7"/>
+          <p:cNvSpPr/>
+          <p:nvPr/>
+        </p:nvSpPr>
+        <p:spPr>
+          <a:xfrm>
+            <a:off x="7514857" y="2956376"/>
+            <a:ext cx="3944784" cy="2683299"/>
+          </a:xfrm>
+          <a:prstGeom prst="rect">
+            <a:avLst/>
+          </a:prstGeom>
+          <a:solidFill>
+            <a:schemeClr val="bg2">
+              <a:lumMod val="90000"/>
+            </a:schemeClr>
+          </a:solidFill>
+          <a:ln>
+            <a:solidFill>
+              <a:schemeClr val="tx1"/>
+            </a:solidFill>
+          </a:ln>
+        </p:spPr>
+        <p:style>
+          <a:lnRef idx="2">
+            <a:schemeClr val="accent1">
+              <a:shade val="50000"/>
+            </a:schemeClr>
+          </a:lnRef>
+          <a:fillRef idx="1">
+            <a:schemeClr val="accent1"/>
+          </a:fillRef>
+          <a:effectRef idx="0">
+            <a:schemeClr val="accent1"/>
+          </a:effectRef>
+          <a:fontRef idx="minor">
+            <a:schemeClr val="lt1"/>
+          </a:fontRef>
+        </p:style>
+        <p:txBody>
+          <a:bodyPr rtlCol="0" anchor="t"/>
+          <a:lstStyle/>
+          <a:p>
+            <a:r>
+              <a:rPr lang="zh-TW" altLang="en-US" dirty="0">
+                <a:solidFill>
+                  <a:schemeClr val="tx1"/>
+                </a:solidFill>
+              </a:rPr>
+              <a:t>請輸入答案</a:t>
+            </a:r>
+            <a:r>
+              <a:rPr lang="zh-TW" altLang="en-US" dirty="0" smtClean="0">
+                <a:solidFill>
+                  <a:schemeClr val="tx1"/>
+                </a:solidFill>
+              </a:rPr>
+              <a:t>：</a:t>
+            </a:r>
+            <a:endParaRPr lang="zh-TW" altLang="en-US" dirty="0">
+              <a:solidFill>
+                <a:srgbClr val="0070C0"/>
+              </a:solidFill>
+            </a:endParaRPr>
+          </a:p>
+        </p:txBody>
+      </p:sp>
+      <p:sp>
+        <p:nvSpPr>
+          <p:cNvPr id="9" name="矩形 8"/>
+          <p:cNvSpPr/>
+          <p:nvPr/>
+        </p:nvSpPr>
+        <p:spPr>
+          <a:xfrm>
+            <a:off x="7514857" y="2956376"/>
+            <a:ext cx="3944784" cy="2683299"/>
+          </a:xfrm>
+          <a:prstGeom prst="rect">
+            <a:avLst/>
+          </a:prstGeom>
+          <a:solidFill>
+            <a:schemeClr val="bg2">
+              <a:lumMod val="90000"/>
+            </a:schemeClr>
+          </a:solidFill>
+          <a:ln>
+            <a:solidFill>
+              <a:schemeClr val="tx1"/>
+            </a:solidFill>
+          </a:ln>
+        </p:spPr>
+        <p:style>
+          <a:lnRef idx="2">
+            <a:schemeClr val="accent1">
+              <a:shade val="50000"/>
+            </a:schemeClr>
+          </a:lnRef>
+          <a:fillRef idx="1">
+            <a:schemeClr val="accent1"/>
+          </a:fillRef>
+          <a:effectRef idx="0">
+            <a:schemeClr val="accent1"/>
+          </a:effectRef>
+          <a:fontRef idx="minor">
+            <a:schemeClr val="lt1"/>
+          </a:fontRef>
+        </p:style>
+        <p:txBody>
+          <a:bodyPr rtlCol="0" anchor="t"/>
+          <a:lstStyle/>
+          <a:p>
+            <a:r>
+              <a:rPr lang="zh-TW" altLang="en-US" dirty="0">
+                <a:solidFill>
+                  <a:schemeClr val="tx1"/>
+                </a:solidFill>
+              </a:rPr>
+              <a:t>請輸入答案：</a:t>
+            </a:r>
+            <a:r>
+              <a:rPr lang="en-US" altLang="zh-TW" dirty="0">
+                <a:solidFill>
+                  <a:srgbClr val="0070C0"/>
+                </a:solidFill>
+              </a:rPr>
+              <a:t>220</a:t>
+            </a:r>
+          </a:p>
+          <a:p>
+            <a:r>
+              <a:rPr lang="zh-TW" altLang="en-US" dirty="0">
+                <a:solidFill>
+                  <a:schemeClr val="tx1"/>
+                </a:solidFill>
+              </a:rPr>
+              <a:t>正確！</a:t>
+            </a:r>
+          </a:p>
+          <a:p>
+            <a:endParaRPr lang="zh-TW" altLang="en-US" dirty="0">
+              <a:solidFill>
+                <a:schemeClr val="tx1"/>
+              </a:solidFill>
+            </a:endParaRPr>
+          </a:p>
+          <a:p>
+            <a:endParaRPr lang="zh-TW" altLang="en-US" dirty="0">
+              <a:solidFill>
+                <a:schemeClr val="tx1"/>
+              </a:solidFill>
+            </a:endParaRPr>
+          </a:p>
+          <a:p>
+            <a:r>
+              <a:rPr lang="zh-TW" altLang="en-US" dirty="0">
+                <a:solidFill>
+                  <a:schemeClr val="tx1"/>
+                </a:solidFill>
+              </a:rPr>
+              <a:t>請記憶： </a:t>
+            </a:r>
+            <a:r>
+              <a:rPr lang="en-US" altLang="zh-TW" dirty="0">
+                <a:solidFill>
+                  <a:schemeClr val="tx1"/>
+                </a:solidFill>
+              </a:rPr>
+              <a:t>6724</a:t>
+            </a:r>
+          </a:p>
+          <a:p>
+            <a:r>
+              <a:rPr lang="zh-TW" altLang="en-US" dirty="0">
+                <a:solidFill>
+                  <a:schemeClr val="tx1"/>
+                </a:solidFill>
+              </a:rPr>
+              <a:t>按下</a:t>
+            </a:r>
+            <a:r>
+              <a:rPr lang="en-US" altLang="zh-TW" dirty="0">
+                <a:solidFill>
+                  <a:schemeClr val="tx1"/>
+                </a:solidFill>
+              </a:rPr>
+              <a:t>Enter</a:t>
+            </a:r>
+            <a:r>
+              <a:rPr lang="zh-TW" altLang="en-US" dirty="0">
+                <a:solidFill>
+                  <a:schemeClr val="tx1"/>
+                </a:solidFill>
+              </a:rPr>
+              <a:t>開始</a:t>
+            </a:r>
+            <a:endParaRPr lang="zh-TW" altLang="en-US" dirty="0">
+              <a:solidFill>
+                <a:srgbClr val="0070C0"/>
+              </a:solidFill>
+            </a:endParaRPr>
+          </a:p>
+        </p:txBody>
+      </p:sp>
+      <p:sp>
+        <p:nvSpPr>
+          <p:cNvPr id="10" name="矩形 9"/>
+          <p:cNvSpPr/>
+          <p:nvPr/>
+        </p:nvSpPr>
+        <p:spPr>
+          <a:xfrm>
+            <a:off x="7514857" y="2956375"/>
+            <a:ext cx="3944784" cy="2683299"/>
+          </a:xfrm>
+          <a:prstGeom prst="rect">
+            <a:avLst/>
+          </a:prstGeom>
+          <a:solidFill>
+            <a:schemeClr val="bg2">
+              <a:lumMod val="90000"/>
+            </a:schemeClr>
+          </a:solidFill>
+          <a:ln>
+            <a:solidFill>
+              <a:schemeClr val="tx1"/>
+            </a:solidFill>
+          </a:ln>
+        </p:spPr>
+        <p:style>
+          <a:lnRef idx="2">
+            <a:schemeClr val="accent1">
+              <a:shade val="50000"/>
+            </a:schemeClr>
+          </a:lnRef>
+          <a:fillRef idx="1">
+            <a:schemeClr val="accent1"/>
+          </a:fillRef>
+          <a:effectRef idx="0">
+            <a:schemeClr val="accent1"/>
+          </a:effectRef>
+          <a:fontRef idx="minor">
+            <a:schemeClr val="lt1"/>
+          </a:fontRef>
+        </p:style>
+        <p:txBody>
+          <a:bodyPr rtlCol="0" anchor="t"/>
+          <a:lstStyle/>
+          <a:p>
+            <a:r>
+              <a:rPr lang="zh-TW" altLang="en-US" dirty="0">
+                <a:solidFill>
+                  <a:schemeClr val="tx1"/>
+                </a:solidFill>
+              </a:rPr>
+              <a:t>請輸入答案：</a:t>
+            </a:r>
+            <a:r>
+              <a:rPr lang="en-US" altLang="zh-TW" dirty="0">
+                <a:solidFill>
+                  <a:srgbClr val="0070C0"/>
+                </a:solidFill>
+              </a:rPr>
+              <a:t>6724</a:t>
+            </a:r>
+          </a:p>
+          <a:p>
+            <a:r>
+              <a:rPr lang="zh-TW" altLang="en-US" dirty="0">
+                <a:solidFill>
+                  <a:schemeClr val="tx1"/>
+                </a:solidFill>
+              </a:rPr>
+              <a:t>正確！</a:t>
+            </a:r>
+          </a:p>
+          <a:p>
+            <a:endParaRPr lang="zh-TW" altLang="en-US" dirty="0">
+              <a:solidFill>
+                <a:schemeClr val="tx1"/>
+              </a:solidFill>
+            </a:endParaRPr>
+          </a:p>
+          <a:p>
+            <a:endParaRPr lang="zh-TW" altLang="en-US" dirty="0">
+              <a:solidFill>
+                <a:schemeClr val="tx1"/>
+              </a:solidFill>
+            </a:endParaRPr>
+          </a:p>
+          <a:p>
+            <a:r>
+              <a:rPr lang="zh-TW" altLang="en-US" dirty="0">
+                <a:solidFill>
+                  <a:schemeClr val="tx1"/>
+                </a:solidFill>
+              </a:rPr>
+              <a:t>請記憶： </a:t>
+            </a:r>
+            <a:r>
+              <a:rPr lang="en-US" altLang="zh-TW" dirty="0">
+                <a:solidFill>
+                  <a:schemeClr val="tx1"/>
+                </a:solidFill>
+              </a:rPr>
+              <a:t>74725</a:t>
+            </a:r>
+          </a:p>
+          <a:p>
+            <a:r>
+              <a:rPr lang="zh-TW" altLang="en-US" dirty="0">
+                <a:solidFill>
+                  <a:schemeClr val="tx1"/>
+                </a:solidFill>
+              </a:rPr>
+              <a:t>按下</a:t>
+            </a:r>
+            <a:r>
+              <a:rPr lang="en-US" altLang="zh-TW" dirty="0">
+                <a:solidFill>
+                  <a:schemeClr val="tx1"/>
+                </a:solidFill>
+              </a:rPr>
+              <a:t>Enter</a:t>
+            </a:r>
+            <a:r>
+              <a:rPr lang="zh-TW" altLang="en-US" dirty="0">
+                <a:solidFill>
+                  <a:schemeClr val="tx1"/>
+                </a:solidFill>
+              </a:rPr>
+              <a:t>開始</a:t>
+            </a:r>
+            <a:endParaRPr lang="en-US" altLang="zh-TW" dirty="0">
+              <a:solidFill>
+                <a:srgbClr val="0070C0"/>
+              </a:solidFill>
+            </a:endParaRPr>
+          </a:p>
+        </p:txBody>
+      </p:sp>
     </p:spTree>
     <p:extLst>
       <p:ext uri="{BB962C8B-B14F-4D97-AF65-F5344CB8AC3E}">
@@ -6847,6 +6989,141 @@
                       </p:childTnLst>
                     </p:cTn>
                   </p:par>
+                  <p:par>
+                    <p:cTn id="7" fill="hold">
+                      <p:stCondLst>
+                        <p:cond delay="indefinite"/>
+                      </p:stCondLst>
+                      <p:childTnLst>
+                        <p:par>
+                          <p:cTn id="8" fill="hold">
+                            <p:stCondLst>
+                              <p:cond delay="0"/>
+                            </p:stCondLst>
+                            <p:childTnLst>
+                              <p:par>
+                                <p:cTn id="9" presetID="1" presetClass="entr" presetSubtype="0" fill="hold" grpId="0" nodeType="clickEffect">
+                                  <p:stCondLst>
+                                    <p:cond delay="0"/>
+                                  </p:stCondLst>
+                                  <p:childTnLst>
+                                    <p:set>
+                                      <p:cBhvr>
+                                        <p:cTn id="10" dur="1" fill="hold">
+                                          <p:stCondLst>
+                                            <p:cond delay="0"/>
+                                          </p:stCondLst>
+                                        </p:cTn>
+                                        <p:tgtEl>
+                                          <p:spTgt spid="8"/>
+                                        </p:tgtEl>
+                                        <p:attrNameLst>
+                                          <p:attrName>style.visibility</p:attrName>
+                                        </p:attrNameLst>
+                                      </p:cBhvr>
+                                      <p:to>
+                                        <p:strVal val="visible"/>
+                                      </p:to>
+                                    </p:set>
+                                  </p:childTnLst>
+                                </p:cTn>
+                              </p:par>
+                            </p:childTnLst>
+                          </p:cTn>
+                        </p:par>
+                      </p:childTnLst>
+                    </p:cTn>
+                  </p:par>
+                  <p:par>
+                    <p:cTn id="11" fill="hold">
+                      <p:stCondLst>
+                        <p:cond delay="indefinite"/>
+                      </p:stCondLst>
+                      <p:childTnLst>
+                        <p:par>
+                          <p:cTn id="12" fill="hold">
+                            <p:stCondLst>
+                              <p:cond delay="0"/>
+                            </p:stCondLst>
+                            <p:childTnLst>
+                              <p:par>
+                                <p:cTn id="13" presetID="1" presetClass="entr" presetSubtype="0" fill="hold" grpId="0" nodeType="clickEffect">
+                                  <p:stCondLst>
+                                    <p:cond delay="0"/>
+                                  </p:stCondLst>
+                                  <p:childTnLst>
+                                    <p:set>
+                                      <p:cBhvr>
+                                        <p:cTn id="14" dur="1" fill="hold">
+                                          <p:stCondLst>
+                                            <p:cond delay="0"/>
+                                          </p:stCondLst>
+                                        </p:cTn>
+                                        <p:tgtEl>
+                                          <p:spTgt spid="9"/>
+                                        </p:tgtEl>
+                                        <p:attrNameLst>
+                                          <p:attrName>style.visibility</p:attrName>
+                                        </p:attrNameLst>
+                                      </p:cBhvr>
+                                      <p:to>
+                                        <p:strVal val="visible"/>
+                                      </p:to>
+                                    </p:set>
+                                  </p:childTnLst>
+                                </p:cTn>
+                              </p:par>
+                            </p:childTnLst>
+                          </p:cTn>
+                        </p:par>
+                      </p:childTnLst>
+                    </p:cTn>
+                  </p:par>
+                  <p:par>
+                    <p:cTn id="15" fill="hold">
+                      <p:stCondLst>
+                        <p:cond delay="indefinite"/>
+                      </p:stCondLst>
+                      <p:childTnLst>
+                        <p:par>
+                          <p:cTn id="16" fill="hold">
+                            <p:stCondLst>
+                              <p:cond delay="0"/>
+                            </p:stCondLst>
+                            <p:childTnLst>
+                              <p:par>
+                                <p:cTn id="17" presetID="1" presetClass="entr" presetSubtype="0" fill="hold" grpId="0" nodeType="clickEffect">
+                                  <p:stCondLst>
+                                    <p:cond delay="0"/>
+                                  </p:stCondLst>
+                                  <p:childTnLst>
+                                    <p:set>
+                                      <p:cBhvr>
+                                        <p:cTn id="18" dur="1" fill="hold">
+                                          <p:stCondLst>
+                                            <p:cond delay="0"/>
+                                          </p:stCondLst>
+                                        </p:cTn>
+                                        <p:tgtEl>
+                                          <p:spTgt spid="10"/>
+                                        </p:tgtEl>
+                                        <p:attrNameLst>
+                                          <p:attrName>style.visibility</p:attrName>
+                                        </p:attrNameLst>
+                                      </p:cBhvr>
+                                      <p:to>
+                                        <p:strVal val="visible"/>
+                                      </p:to>
+                                    </p:set>
+                                  </p:childTnLst>
+                                </p:cTn>
+                              </p:par>
+                            </p:childTnLst>
+                          </p:cTn>
+                        </p:par>
+                      </p:childTnLst>
+                    </p:cTn>
+                  </p:par>
                 </p:childTnLst>
               </p:cTn>
               <p:prevCondLst>
@@ -6868,6 +7145,11 @@
         </p:cTn>
       </p:par>
     </p:tnLst>
+    <p:bldLst>
+      <p:bldP spid="8" grpId="0" animBg="1"/>
+      <p:bldP spid="9" grpId="0" animBg="1"/>
+      <p:bldP spid="10" grpId="0" animBg="1"/>
+    </p:bldLst>
   </p:timing>
 </p:sld>
 </file>
@@ -7171,15 +7453,7 @@
                   <a:schemeClr val="tx1"/>
                 </a:solidFill>
               </a:rPr>
-              <a:t>If </a:t>
-            </a:r>
-            <a:r>
-              <a:rPr lang="en-US" altLang="zh-TW" sz="1200" dirty="0" smtClean="0">
-                <a:solidFill>
-                  <a:schemeClr val="tx1"/>
-                </a:solidFill>
-              </a:rPr>
-              <a:t>(guess ==</a:t>
+              <a:t>If (guess ==</a:t>
             </a:r>
             <a:r>
               <a:rPr lang="en-US" altLang="zh-TW" sz="1200" dirty="0" err="1" smtClean="0">
@@ -7668,15 +7942,7 @@
                   <a:schemeClr val="tx1"/>
                 </a:solidFill>
               </a:rPr>
-              <a:t>位數</a:t>
-            </a:r>
-            <a:r>
-              <a:rPr lang="zh-TW" altLang="en-US" dirty="0" smtClean="0">
-                <a:solidFill>
-                  <a:schemeClr val="tx1"/>
-                </a:solidFill>
-              </a:rPr>
-              <a:t>減</a:t>
+              <a:t>位數減</a:t>
             </a:r>
             <a:r>
               <a:rPr lang="en-US" altLang="zh-TW" dirty="0" smtClean="0">
@@ -7752,16 +8018,47 @@
             </a:r>
             <a:r>
               <a:rPr lang="zh-TW" altLang="en-US" dirty="0" smtClean="0"/>
-              <a:t>位數，等級</a:t>
+              <a:t>位數，</a:t>
+            </a:r>
+            <a:r>
+              <a:rPr lang="zh-TW" altLang="en-US" dirty="0" smtClean="0"/>
+              <a:t>等級</a:t>
             </a:r>
             <a:endParaRPr lang="en-US" altLang="zh-TW" dirty="0" smtClean="0"/>
           </a:p>
           <a:p>
+            <a:r>
+              <a:rPr lang="en-US" altLang="zh-TW" dirty="0" smtClean="0"/>
+              <a:t>Base:</a:t>
+            </a:r>
+            <a:r>
+              <a:rPr lang="zh-TW" altLang="en-US" dirty="0" smtClean="0"/>
+              <a:t>基數，用來協助產生</a:t>
+            </a:r>
             <a:r>
               <a:rPr lang="en-US" altLang="zh-TW" dirty="0" err="1" smtClean="0"/>
               <a:t>num</a:t>
             </a:r>
             <a:r>
+              <a:rPr lang="zh-TW" altLang="en-US" dirty="0" smtClean="0"/>
+              <a:t>，一開始為</a:t>
+            </a:r>
+            <a:r>
+              <a:rPr lang="en-US" altLang="zh-TW" dirty="0" smtClean="0"/>
+              <a:t>100</a:t>
+            </a:r>
+            <a:r>
+              <a:rPr lang="zh-TW" altLang="en-US" dirty="0" smtClean="0"/>
+              <a:t>，用來產生三位數字。</a:t>
+            </a:r>
+            <a:endParaRPr lang="en-US" altLang="zh-TW" dirty="0" smtClean="0"/>
+          </a:p>
+          <a:p>
+            <a:r>
+              <a:rPr lang="en-US" altLang="zh-TW" dirty="0" err="1" smtClean="0"/>
+              <a:t>num</a:t>
+            </a:r>
+            <a:r>
               <a:rPr lang="en-US" altLang="zh-TW" dirty="0" smtClean="0"/>
               <a:t>: </a:t>
             </a:r>
@@ -7783,7 +8080,15 @@
             <a:pPr lvl="1"/>
             <a:r>
               <a:rPr lang="zh-TW" altLang="en-US" dirty="0" smtClean="0"/>
-              <a:t>由</a:t>
+              <a:t>由 </a:t>
+            </a:r>
+            <a:r>
+              <a:rPr lang="en-US" altLang="zh-TW" dirty="0" err="1" smtClean="0"/>
+              <a:t>num</a:t>
+            </a:r>
+            <a:r>
+              <a:rPr lang="en-US" altLang="zh-TW" dirty="0" smtClean="0"/>
+              <a:t> = </a:t>
             </a:r>
             <a:r>
               <a:rPr lang="en-US" altLang="zh-TW" dirty="0" err="1" smtClean="0"/>
@@ -7791,11 +8096,73 @@
             </a:r>
             <a:r>
               <a:rPr lang="en-US" altLang="zh-TW" dirty="0" smtClean="0"/>
-              <a:t>(1,9*10^(level-1))+ 10^(level-1)</a:t>
+              <a:t>(1,9*base-1))+base</a:t>
             </a:r>
             <a:r>
               <a:rPr lang="zh-TW" altLang="en-US" dirty="0" smtClean="0"/>
-              <a:t> 所產生</a:t>
+              <a:t> </a:t>
+            </a:r>
+            <a:r>
+              <a:rPr lang="zh-TW" altLang="en-US" dirty="0" smtClean="0"/>
+              <a:t>所</a:t>
+            </a:r>
+            <a:r>
+              <a:rPr lang="zh-TW" altLang="en-US" dirty="0" smtClean="0"/>
+              <a:t>產生</a:t>
+            </a:r>
+            <a:endParaRPr lang="en-US" altLang="zh-TW" dirty="0" smtClean="0"/>
+          </a:p>
+          <a:p>
+            <a:pPr lvl="1"/>
+            <a:r>
+              <a:rPr lang="zh-TW" altLang="en-US" dirty="0"/>
+              <a:t>如果</a:t>
+            </a:r>
+            <a:r>
+              <a:rPr lang="en-US" altLang="zh-TW" dirty="0"/>
+              <a:t>base</a:t>
+            </a:r>
+            <a:r>
+              <a:rPr lang="zh-TW" altLang="en-US" dirty="0"/>
+              <a:t>為</a:t>
+            </a:r>
+            <a:r>
+              <a:rPr lang="en-US" altLang="zh-TW" dirty="0" smtClean="0"/>
+              <a:t>100</a:t>
+            </a:r>
+            <a:r>
+              <a:rPr lang="zh-TW" altLang="en-US" dirty="0" smtClean="0"/>
+              <a:t>，則</a:t>
+            </a:r>
+            <a:r>
+              <a:rPr lang="zh-TW" altLang="en-US" smtClean="0"/>
+              <a:t>上面是 </a:t>
+            </a:r>
+            <a:r>
+              <a:rPr lang="en-US" altLang="zh-TW" smtClean="0"/>
+              <a:t>0 ~ 899</a:t>
+            </a:r>
+            <a:r>
+              <a:rPr lang="zh-TW" altLang="en-US" dirty="0" smtClean="0"/>
+              <a:t>的隨機數 </a:t>
+            </a:r>
+            <a:r>
+              <a:rPr lang="en-US" altLang="zh-TW" dirty="0" smtClean="0"/>
+              <a:t>+</a:t>
+            </a:r>
+            <a:r>
+              <a:rPr lang="zh-TW" altLang="en-US" dirty="0" smtClean="0"/>
+              <a:t> </a:t>
+            </a:r>
+            <a:r>
+              <a:rPr lang="en-US" altLang="zh-TW" dirty="0" smtClean="0"/>
+              <a:t>100 </a:t>
+            </a:r>
+            <a:r>
+              <a:rPr lang="en-US" altLang="zh-TW" dirty="0" smtClean="0">
+                <a:sym typeface="Wingdings" panose="05000000000000000000" pitchFamily="2" charset="2"/>
+              </a:rPr>
+              <a:t>100 ~ 999</a:t>
             </a:r>
             <a:endParaRPr lang="en-US" altLang="zh-TW" dirty="0" smtClean="0"/>
           </a:p>

--- a/LCC/Python/04c_來個小遊戲2.pptx
+++ b/LCC/Python/04c_來個小遊戲2.pptx
@@ -8,7 +8,9 @@
     <p:sldId id="281" r:id="rId2"/>
     <p:sldId id="282" r:id="rId3"/>
     <p:sldId id="283" r:id="rId4"/>
-    <p:sldId id="284" r:id="rId5"/>
+    <p:sldId id="286" r:id="rId5"/>
+    <p:sldId id="284" r:id="rId6"/>
+    <p:sldId id="285" r:id="rId7"/>
   </p:sldIdLst>
   <p:sldSz cx="12192000" cy="6858000"/>
   <p:notesSz cx="6858000" cy="9144000"/>
@@ -872,7 +874,7 @@
             <a:fld id="{B61BEF0D-F0BB-DE4B-95CE-6DB70DBA9567}" type="datetimeFigureOut">
               <a:rPr lang="en-US" smtClean="0"/>
               <a:pPr/>
-              <a:t>3/3/2021</a:t>
+              <a:t>3/5/2021</a:t>
             </a:fld>
             <a:endParaRPr lang="en-US" dirty="0"/>
           </a:p>
@@ -1166,7 +1168,7 @@
             <a:fld id="{B61BEF0D-F0BB-DE4B-95CE-6DB70DBA9567}" type="datetimeFigureOut">
               <a:rPr lang="en-US" smtClean="0"/>
               <a:pPr/>
-              <a:t>3/3/2021</a:t>
+              <a:t>3/5/2021</a:t>
             </a:fld>
             <a:endParaRPr lang="en-US" dirty="0"/>
           </a:p>
@@ -1482,7 +1484,7 @@
             <a:fld id="{B61BEF0D-F0BB-DE4B-95CE-6DB70DBA9567}" type="datetimeFigureOut">
               <a:rPr lang="en-US" smtClean="0"/>
               <a:pPr/>
-              <a:t>3/3/2021</a:t>
+              <a:t>3/5/2021</a:t>
             </a:fld>
             <a:endParaRPr lang="en-US" dirty="0"/>
           </a:p>
@@ -1817,7 +1819,7 @@
             <a:fld id="{B61BEF0D-F0BB-DE4B-95CE-6DB70DBA9567}" type="datetimeFigureOut">
               <a:rPr lang="en-US" smtClean="0"/>
               <a:pPr/>
-              <a:t>3/3/2021</a:t>
+              <a:t>3/5/2021</a:t>
             </a:fld>
             <a:endParaRPr lang="en-US" dirty="0"/>
           </a:p>
@@ -2133,7 +2135,7 @@
             <a:fld id="{B61BEF0D-F0BB-DE4B-95CE-6DB70DBA9567}" type="datetimeFigureOut">
               <a:rPr lang="en-US" smtClean="0"/>
               <a:pPr/>
-              <a:t>3/3/2021</a:t>
+              <a:t>3/5/2021</a:t>
             </a:fld>
             <a:endParaRPr lang="en-US" dirty="0"/>
           </a:p>
@@ -2528,7 +2530,7 @@
             <a:fld id="{B61BEF0D-F0BB-DE4B-95CE-6DB70DBA9567}" type="datetimeFigureOut">
               <a:rPr lang="en-US" smtClean="0"/>
               <a:pPr/>
-              <a:t>3/3/2021</a:t>
+              <a:t>3/5/2021</a:t>
             </a:fld>
             <a:endParaRPr lang="en-US" dirty="0"/>
           </a:p>
@@ -2699,7 +2701,7 @@
           <a:p>
             <a:fld id="{55C6B4A9-1611-4792-9094-5F34BCA07E0B}" type="datetimeFigureOut">
               <a:rPr lang="en-US" smtClean="0"/>
-              <a:t>3/3/2021</a:t>
+              <a:t>3/5/2021</a:t>
             </a:fld>
             <a:endParaRPr lang="en-US" dirty="0"/>
           </a:p>
@@ -2880,7 +2882,7 @@
             <a:fld id="{B61BEF0D-F0BB-DE4B-95CE-6DB70DBA9567}" type="datetimeFigureOut">
               <a:rPr lang="en-US" smtClean="0"/>
               <a:pPr/>
-              <a:t>3/3/2021</a:t>
+              <a:t>3/5/2021</a:t>
             </a:fld>
             <a:endParaRPr lang="en-US" dirty="0"/>
           </a:p>
@@ -3052,7 +3054,7 @@
             <a:fld id="{B61BEF0D-F0BB-DE4B-95CE-6DB70DBA9567}" type="datetimeFigureOut">
               <a:rPr lang="en-US" smtClean="0"/>
               <a:pPr/>
-              <a:t>3/3/2021</a:t>
+              <a:t>3/5/2021</a:t>
             </a:fld>
             <a:endParaRPr lang="en-US" dirty="0"/>
           </a:p>
@@ -3301,7 +3303,7 @@
             <a:fld id="{B61BEF0D-F0BB-DE4B-95CE-6DB70DBA9567}" type="datetimeFigureOut">
               <a:rPr lang="en-US" smtClean="0"/>
               <a:pPr/>
-              <a:t>3/3/2021</a:t>
+              <a:t>3/5/2021</a:t>
             </a:fld>
             <a:endParaRPr lang="en-US" dirty="0"/>
           </a:p>
@@ -3534,7 +3536,7 @@
           <a:p>
             <a:fld id="{EB712588-04B1-427B-82EE-E8DB90309F08}" type="datetimeFigureOut">
               <a:rPr lang="en-US" smtClean="0"/>
-              <a:t>3/3/2021</a:t>
+              <a:t>3/5/2021</a:t>
             </a:fld>
             <a:endParaRPr lang="en-US" dirty="0"/>
           </a:p>
@@ -3909,7 +3911,7 @@
             <a:fld id="{B61BEF0D-F0BB-DE4B-95CE-6DB70DBA9567}" type="datetimeFigureOut">
               <a:rPr lang="en-US" smtClean="0"/>
               <a:pPr/>
-              <a:t>3/3/2021</a:t>
+              <a:t>3/5/2021</a:t>
             </a:fld>
             <a:endParaRPr lang="en-US" dirty="0"/>
           </a:p>
@@ -4034,7 +4036,7 @@
             <a:fld id="{B61BEF0D-F0BB-DE4B-95CE-6DB70DBA9567}" type="datetimeFigureOut">
               <a:rPr lang="en-US" smtClean="0"/>
               <a:pPr/>
-              <a:t>3/3/2021</a:t>
+              <a:t>3/5/2021</a:t>
             </a:fld>
             <a:endParaRPr lang="en-US" dirty="0"/>
           </a:p>
@@ -4131,7 +4133,7 @@
             <a:fld id="{B61BEF0D-F0BB-DE4B-95CE-6DB70DBA9567}" type="datetimeFigureOut">
               <a:rPr lang="en-US" smtClean="0"/>
               <a:pPr/>
-              <a:t>3/3/2021</a:t>
+              <a:t>3/5/2021</a:t>
             </a:fld>
             <a:endParaRPr lang="en-US" dirty="0"/>
           </a:p>
@@ -4387,7 +4389,7 @@
           <a:p>
             <a:fld id="{42A54C80-263E-416B-A8E0-580EDEADCBDC}" type="datetimeFigureOut">
               <a:rPr lang="en-US" smtClean="0"/>
-              <a:t>3/3/2021</a:t>
+              <a:t>3/5/2021</a:t>
             </a:fld>
             <a:endParaRPr lang="en-US" dirty="0"/>
           </a:p>
@@ -4694,7 +4696,7 @@
             <a:fld id="{B61BEF0D-F0BB-DE4B-95CE-6DB70DBA9567}" type="datetimeFigureOut">
               <a:rPr lang="en-US" smtClean="0"/>
               <a:pPr/>
-              <a:t>3/3/2021</a:t>
+              <a:t>3/5/2021</a:t>
             </a:fld>
             <a:endParaRPr lang="en-US" dirty="0"/>
           </a:p>
@@ -5397,7 +5399,7 @@
             <a:fld id="{B61BEF0D-F0BB-DE4B-95CE-6DB70DBA9567}" type="datetimeFigureOut">
               <a:rPr lang="en-US" smtClean="0"/>
               <a:pPr/>
-              <a:t>3/3/2021</a:t>
+              <a:t>3/5/2021</a:t>
             </a:fld>
             <a:endParaRPr lang="en-US" dirty="0"/>
           </a:p>
@@ -6037,7 +6039,7 @@
             <a:fld id="{4805910D-2C61-424F-80CE-807290CF0E1E}" type="datetime4">
               <a:rPr lang="zh-TW" altLang="zh-TW"/>
               <a:pPr/>
-              <a:t>110年3月3日星期三</a:t>
+              <a:t>110年3月5日星期五</a:t>
             </a:fld>
             <a:endParaRPr lang="zh-TW" altLang="en-US" dirty="0"/>
           </a:p>
@@ -6338,7 +6340,11 @@
             </a:r>
             <a:r>
               <a:rPr lang="en-US" altLang="zh-TW" dirty="0" smtClean="0"/>
-              <a:t>(1,899)+100</a:t>
+              <a:t>(0,899</a:t>
+            </a:r>
+            <a:r>
+              <a:rPr lang="en-US" altLang="zh-TW" dirty="0" smtClean="0"/>
+              <a:t>)+100</a:t>
             </a:r>
           </a:p>
           <a:p>
@@ -6364,7 +6370,11 @@
             </a:r>
             <a:r>
               <a:rPr lang="en-US" altLang="zh-TW" dirty="0" smtClean="0"/>
-              <a:t>(1,8999)+1000</a:t>
+              <a:t>(0,8999</a:t>
+            </a:r>
+            <a:r>
+              <a:rPr lang="en-US" altLang="zh-TW" dirty="0" smtClean="0"/>
+              <a:t>)+1000</a:t>
             </a:r>
           </a:p>
           <a:p>
@@ -6526,11 +6536,6 @@
                 </a:rPr>
                 <a:t>開始</a:t>
               </a:r>
-              <a:endParaRPr lang="zh-TW" altLang="en-US" dirty="0">
-                <a:solidFill>
-                  <a:schemeClr val="tx1"/>
-                </a:solidFill>
-              </a:endParaRPr>
             </a:p>
           </p:txBody>
         </p:sp>
@@ -6840,6 +6845,75 @@
                   <a:schemeClr val="tx1"/>
                 </a:solidFill>
               </a:rPr>
+              <a:t>請輸入答案</a:t>
+            </a:r>
+            <a:r>
+              <a:rPr lang="zh-TW" altLang="en-US" dirty="0" smtClean="0">
+                <a:solidFill>
+                  <a:schemeClr val="tx1"/>
+                </a:solidFill>
+              </a:rPr>
+              <a:t>：</a:t>
+            </a:r>
+            <a:endParaRPr lang="en-US" altLang="zh-TW" dirty="0">
+              <a:solidFill>
+                <a:srgbClr val="0070C0"/>
+              </a:solidFill>
+            </a:endParaRPr>
+          </a:p>
+        </p:txBody>
+      </p:sp>
+      <p:sp>
+        <p:nvSpPr>
+          <p:cNvPr id="12" name="矩形 11"/>
+          <p:cNvSpPr/>
+          <p:nvPr/>
+        </p:nvSpPr>
+        <p:spPr>
+          <a:xfrm>
+            <a:off x="7522197" y="2956375"/>
+            <a:ext cx="3944784" cy="2683299"/>
+          </a:xfrm>
+          <a:prstGeom prst="rect">
+            <a:avLst/>
+          </a:prstGeom>
+          <a:solidFill>
+            <a:schemeClr val="bg2">
+              <a:lumMod val="90000"/>
+            </a:schemeClr>
+          </a:solidFill>
+          <a:ln>
+            <a:solidFill>
+              <a:schemeClr val="tx1"/>
+            </a:solidFill>
+          </a:ln>
+        </p:spPr>
+        <p:style>
+          <a:lnRef idx="2">
+            <a:schemeClr val="accent1">
+              <a:shade val="50000"/>
+            </a:schemeClr>
+          </a:lnRef>
+          <a:fillRef idx="1">
+            <a:schemeClr val="accent1"/>
+          </a:fillRef>
+          <a:effectRef idx="0">
+            <a:schemeClr val="accent1"/>
+          </a:effectRef>
+          <a:fontRef idx="minor">
+            <a:schemeClr val="lt1"/>
+          </a:fontRef>
+        </p:style>
+        <p:txBody>
+          <a:bodyPr rtlCol="0" anchor="t"/>
+          <a:lstStyle/>
+          <a:p>
+            <a:r>
+              <a:rPr lang="zh-TW" altLang="en-US" dirty="0">
+                <a:solidFill>
+                  <a:schemeClr val="tx1"/>
+                </a:solidFill>
+              </a:rPr>
               <a:t>請輸入答案：</a:t>
             </a:r>
             <a:r>
@@ -6917,6 +6991,75 @@
                 </a:solidFill>
               </a:rPr>
               <a:t>開始</a:t>
+            </a:r>
+            <a:endParaRPr lang="en-US" altLang="zh-TW" dirty="0">
+              <a:solidFill>
+                <a:srgbClr val="0070C0"/>
+              </a:solidFill>
+            </a:endParaRPr>
+          </a:p>
+        </p:txBody>
+      </p:sp>
+      <p:sp>
+        <p:nvSpPr>
+          <p:cNvPr id="13" name="矩形 12"/>
+          <p:cNvSpPr/>
+          <p:nvPr/>
+        </p:nvSpPr>
+        <p:spPr>
+          <a:xfrm>
+            <a:off x="7529537" y="2956375"/>
+            <a:ext cx="3944784" cy="2683299"/>
+          </a:xfrm>
+          <a:prstGeom prst="rect">
+            <a:avLst/>
+          </a:prstGeom>
+          <a:solidFill>
+            <a:schemeClr val="bg2">
+              <a:lumMod val="90000"/>
+            </a:schemeClr>
+          </a:solidFill>
+          <a:ln>
+            <a:solidFill>
+              <a:schemeClr val="tx1"/>
+            </a:solidFill>
+          </a:ln>
+        </p:spPr>
+        <p:style>
+          <a:lnRef idx="2">
+            <a:schemeClr val="accent1">
+              <a:shade val="50000"/>
+            </a:schemeClr>
+          </a:lnRef>
+          <a:fillRef idx="1">
+            <a:schemeClr val="accent1"/>
+          </a:fillRef>
+          <a:effectRef idx="0">
+            <a:schemeClr val="accent1"/>
+          </a:effectRef>
+          <a:fontRef idx="minor">
+            <a:schemeClr val="lt1"/>
+          </a:fontRef>
+        </p:style>
+        <p:txBody>
+          <a:bodyPr rtlCol="0" anchor="t"/>
+          <a:lstStyle/>
+          <a:p>
+            <a:r>
+              <a:rPr lang="zh-TW" altLang="en-US" dirty="0">
+                <a:solidFill>
+                  <a:schemeClr val="tx1"/>
+                </a:solidFill>
+              </a:rPr>
+              <a:t>請輸入答案</a:t>
+            </a:r>
+            <a:r>
+              <a:rPr lang="zh-TW" altLang="en-US" dirty="0" smtClean="0">
+                <a:solidFill>
+                  <a:schemeClr val="tx1"/>
+                </a:solidFill>
+              </a:rPr>
+              <a:t>：</a:t>
             </a:r>
             <a:endParaRPr lang="en-US" altLang="zh-TW" dirty="0">
               <a:solidFill>
@@ -7124,6 +7267,96 @@
                       </p:childTnLst>
                     </p:cTn>
                   </p:par>
+                  <p:par>
+                    <p:cTn id="19" fill="hold">
+                      <p:stCondLst>
+                        <p:cond delay="indefinite"/>
+                      </p:stCondLst>
+                      <p:childTnLst>
+                        <p:par>
+                          <p:cTn id="20" fill="hold">
+                            <p:stCondLst>
+                              <p:cond delay="0"/>
+                            </p:stCondLst>
+                            <p:childTnLst>
+                              <p:par>
+                                <p:cTn id="21" presetID="1" presetClass="entr" presetSubtype="0" fill="hold" grpId="0" nodeType="clickEffect">
+                                  <p:stCondLst>
+                                    <p:cond delay="0"/>
+                                  </p:stCondLst>
+                                  <p:childTnLst>
+                                    <p:set>
+                                      <p:cBhvr>
+                                        <p:cTn id="22" dur="1" fill="hold">
+                                          <p:stCondLst>
+                                            <p:cond delay="0"/>
+                                          </p:stCondLst>
+                                        </p:cTn>
+                                        <p:tgtEl>
+                                          <p:spTgt spid="12"/>
+                                        </p:tgtEl>
+                                        <p:attrNameLst>
+                                          <p:attrName>style.visibility</p:attrName>
+                                        </p:attrNameLst>
+                                      </p:cBhvr>
+                                      <p:to>
+                                        <p:strVal val="visible"/>
+                                      </p:to>
+                                    </p:set>
+                                  </p:childTnLst>
+                                </p:cTn>
+                              </p:par>
+                            </p:childTnLst>
+                          </p:cTn>
+                        </p:par>
+                      </p:childTnLst>
+                    </p:cTn>
+                  </p:par>
+                  <p:par>
+                    <p:cTn id="23" fill="hold">
+                      <p:stCondLst>
+                        <p:cond delay="indefinite"/>
+                      </p:stCondLst>
+                      <p:childTnLst>
+                        <p:par>
+                          <p:cTn id="24" fill="hold">
+                            <p:stCondLst>
+                              <p:cond delay="0"/>
+                            </p:stCondLst>
+                            <p:childTnLst>
+                              <p:par>
+                                <p:cTn id="25" presetID="1" presetClass="entr" presetSubtype="0" fill="hold" grpId="0" nodeType="clickEffect">
+                                  <p:stCondLst>
+                                    <p:cond delay="0"/>
+                                  </p:stCondLst>
+                                  <p:childTnLst>
+                                    <p:set>
+                                      <p:cBhvr>
+                                        <p:cTn id="26" dur="1" fill="hold">
+                                          <p:stCondLst>
+                                            <p:cond delay="0"/>
+                                          </p:stCondLst>
+                                        </p:cTn>
+                                        <p:tgtEl>
+                                          <p:spTgt spid="13"/>
+                                        </p:tgtEl>
+                                        <p:attrNameLst>
+                                          <p:attrName>style.visibility</p:attrName>
+                                        </p:attrNameLst>
+                                      </p:cBhvr>
+                                      <p:to>
+                                        <p:strVal val="visible"/>
+                                      </p:to>
+                                    </p:set>
+                                  </p:childTnLst>
+                                </p:cTn>
+                              </p:par>
+                            </p:childTnLst>
+                          </p:cTn>
+                        </p:par>
+                      </p:childTnLst>
+                    </p:cTn>
+                  </p:par>
                 </p:childTnLst>
               </p:cTn>
               <p:prevCondLst>
@@ -7149,6 +7382,8 @@
       <p:bldP spid="8" grpId="0" animBg="1"/>
       <p:bldP spid="9" grpId="0" animBg="1"/>
       <p:bldP spid="10" grpId="0" animBg="1"/>
+      <p:bldP spid="12" grpId="0" animBg="1"/>
+      <p:bldP spid="13" grpId="0" animBg="1"/>
     </p:bldLst>
   </p:timing>
 </p:sld>
@@ -7999,12 +8234,12 @@
       </p:grpSpPr>
       <p:sp>
         <p:nvSpPr>
-          <p:cNvPr id="3" name="內容版面配置區 2"/>
-          <p:cNvSpPr>
-            <a:spLocks noGrp="1"/>
-          </p:cNvSpPr>
-          <p:nvPr>
-            <p:ph idx="1"/>
+          <p:cNvPr id="2" name="標題 1"/>
+          <p:cNvSpPr>
+            <a:spLocks noGrp="1"/>
+          </p:cNvSpPr>
+          <p:nvPr>
+            <p:ph type="title"/>
           </p:nvPr>
         </p:nvSpPr>
         <p:spPr/>
@@ -8013,16 +8248,294 @@
           <a:lstStyle/>
           <a:p>
             <a:r>
+              <a:rPr lang="zh-TW" altLang="en-US" dirty="0" smtClean="0"/>
+              <a:t>清除畫面的方式</a:t>
+            </a:r>
+            <a:endParaRPr lang="zh-TW" altLang="en-US" dirty="0"/>
+          </a:p>
+        </p:txBody>
+      </p:sp>
+      <p:sp>
+        <p:nvSpPr>
+          <p:cNvPr id="3" name="內容版面配置區 2"/>
+          <p:cNvSpPr>
+            <a:spLocks noGrp="1"/>
+          </p:cNvSpPr>
+          <p:nvPr>
+            <p:ph idx="1"/>
+          </p:nvPr>
+        </p:nvSpPr>
+        <p:spPr>
+          <a:xfrm>
+            <a:off x="677334" y="2160589"/>
+            <a:ext cx="9280482" cy="3880773"/>
+          </a:xfrm>
+        </p:spPr>
+        <p:txBody>
+          <a:bodyPr/>
+          <a:lstStyle/>
+          <a:p>
+            <a:r>
+              <a:rPr lang="zh-TW" altLang="en-US" dirty="0" smtClean="0"/>
+              <a:t>首先要改成一班的</a:t>
+            </a:r>
+            <a:r>
+              <a:rPr lang="en-US" altLang="zh-TW" dirty="0" smtClean="0"/>
+              <a:t>Console</a:t>
+            </a:r>
+            <a:r>
+              <a:rPr lang="zh-TW" altLang="en-US" dirty="0" smtClean="0"/>
+              <a:t>畫面</a:t>
+            </a:r>
+            <a:r>
+              <a:rPr lang="en-US" altLang="zh-TW" dirty="0" smtClean="0"/>
+              <a:t>(Windows</a:t>
+            </a:r>
+            <a:r>
+              <a:rPr lang="zh-TW" altLang="en-US" dirty="0" smtClean="0"/>
+              <a:t>內建的</a:t>
+            </a:r>
+            <a:r>
+              <a:rPr lang="en-US" altLang="zh-TW" dirty="0" smtClean="0"/>
+              <a:t>)</a:t>
+            </a:r>
+          </a:p>
+          <a:p>
+            <a:pPr lvl="1"/>
+            <a:r>
+              <a:rPr lang="en-US" altLang="zh-TW" dirty="0" err="1" smtClean="0"/>
+              <a:t>Tools</a:t>
+            </a:r>
+            <a:r>
+              <a:rPr lang="en-US" altLang="zh-TW" dirty="0" err="1" smtClean="0">
+                <a:sym typeface="Wingdings" panose="05000000000000000000" pitchFamily="2" charset="2"/>
+              </a:rPr>
+              <a:t>PreferenceRunConsole</a:t>
+            </a:r>
+            <a:r>
+              <a:rPr lang="en-US" altLang="zh-TW" dirty="0" smtClean="0">
+                <a:sym typeface="Wingdings" panose="05000000000000000000" pitchFamily="2" charset="2"/>
+              </a:rPr>
+              <a:t>  </a:t>
+            </a:r>
+            <a:r>
+              <a:rPr lang="zh-TW" altLang="en-US" dirty="0" smtClean="0">
+                <a:sym typeface="Wingdings" panose="05000000000000000000" pitchFamily="2" charset="2"/>
+              </a:rPr>
+              <a:t>改選擇</a:t>
+            </a:r>
+            <a:r>
+              <a:rPr lang="en-US" altLang="zh-TW" dirty="0" smtClean="0">
+                <a:sym typeface="Wingdings" panose="05000000000000000000" pitchFamily="2" charset="2"/>
+              </a:rPr>
+              <a:t>[Execute in an external system terminal]</a:t>
+            </a:r>
+          </a:p>
+          <a:p>
+            <a:pPr lvl="1"/>
+            <a:r>
+              <a:rPr lang="en-US" altLang="zh-TW" dirty="0" err="1" smtClean="0">
+                <a:sym typeface="Wingdings" panose="05000000000000000000" pitchFamily="2" charset="2"/>
+              </a:rPr>
+              <a:t>RunConfuguration</a:t>
+            </a:r>
+            <a:r>
+              <a:rPr lang="en-US" altLang="zh-TW" dirty="0" smtClean="0">
+                <a:sym typeface="Wingdings" panose="05000000000000000000" pitchFamily="2" charset="2"/>
+              </a:rPr>
+              <a:t> per </a:t>
+            </a:r>
+            <a:r>
+              <a:rPr lang="en-US" altLang="zh-TW" dirty="0" err="1" smtClean="0">
+                <a:sym typeface="Wingdings" panose="05000000000000000000" pitchFamily="2" charset="2"/>
+              </a:rPr>
+              <a:t>fileConsole</a:t>
+            </a:r>
+            <a:r>
+              <a:rPr lang="en-US" altLang="zh-TW" dirty="0" smtClean="0">
+                <a:sym typeface="Wingdings" panose="05000000000000000000" pitchFamily="2" charset="2"/>
+              </a:rPr>
+              <a:t>  </a:t>
+            </a:r>
+            <a:r>
+              <a:rPr lang="zh-TW" altLang="en-US" dirty="0">
+                <a:sym typeface="Wingdings" panose="05000000000000000000" pitchFamily="2" charset="2"/>
+              </a:rPr>
+              <a:t>改選擇</a:t>
+            </a:r>
+            <a:r>
+              <a:rPr lang="en-US" altLang="zh-TW" dirty="0">
+                <a:sym typeface="Wingdings" panose="05000000000000000000" pitchFamily="2" charset="2"/>
+              </a:rPr>
+              <a:t>[Execute in an external </a:t>
+            </a:r>
+            <a:r>
+              <a:rPr lang="en-US" altLang="zh-TW" dirty="0" smtClean="0">
+                <a:sym typeface="Wingdings" panose="05000000000000000000" pitchFamily="2" charset="2"/>
+              </a:rPr>
+              <a:t>system </a:t>
+            </a:r>
+            <a:r>
+              <a:rPr lang="en-US" altLang="zh-TW" dirty="0">
+                <a:sym typeface="Wingdings" panose="05000000000000000000" pitchFamily="2" charset="2"/>
+              </a:rPr>
+              <a:t>terminal</a:t>
+            </a:r>
+            <a:r>
+              <a:rPr lang="en-US" altLang="zh-TW" dirty="0" smtClean="0">
+                <a:sym typeface="Wingdings" panose="05000000000000000000" pitchFamily="2" charset="2"/>
+              </a:rPr>
+              <a:t>]</a:t>
+            </a:r>
+          </a:p>
+          <a:p>
+            <a:r>
+              <a:rPr lang="zh-TW" altLang="en-US" dirty="0">
+                <a:sym typeface="Wingdings" panose="05000000000000000000" pitchFamily="2" charset="2"/>
+              </a:rPr>
+              <a:t>程式</a:t>
+            </a:r>
+            <a:r>
+              <a:rPr lang="zh-TW" altLang="en-US" dirty="0" smtClean="0">
+                <a:sym typeface="Wingdings" panose="05000000000000000000" pitchFamily="2" charset="2"/>
+              </a:rPr>
+              <a:t>中</a:t>
+            </a:r>
+            <a:endParaRPr lang="en-US" altLang="zh-TW" dirty="0">
+              <a:sym typeface="Wingdings" panose="05000000000000000000" pitchFamily="2" charset="2"/>
+            </a:endParaRPr>
+          </a:p>
+          <a:p>
+            <a:pPr lvl="1"/>
+            <a:r>
+              <a:rPr lang="zh-TW" altLang="en-US" dirty="0" smtClean="0">
+                <a:sym typeface="Wingdings" panose="05000000000000000000" pitchFamily="2" charset="2"/>
+              </a:rPr>
+              <a:t>引用：</a:t>
+            </a:r>
+            <a:r>
+              <a:rPr lang="en-US" altLang="zh-TW" dirty="0" smtClean="0">
+                <a:sym typeface="Wingdings" panose="05000000000000000000" pitchFamily="2" charset="2"/>
+              </a:rPr>
+              <a:t>import </a:t>
+            </a:r>
+            <a:r>
+              <a:rPr lang="en-US" altLang="zh-TW" dirty="0" err="1" smtClean="0">
+                <a:sym typeface="Wingdings" panose="05000000000000000000" pitchFamily="2" charset="2"/>
+              </a:rPr>
+              <a:t>os</a:t>
+            </a:r>
+            <a:endParaRPr lang="en-US" altLang="zh-TW" dirty="0" smtClean="0">
+              <a:sym typeface="Wingdings" panose="05000000000000000000" pitchFamily="2" charset="2"/>
+            </a:endParaRPr>
+          </a:p>
+          <a:p>
+            <a:pPr lvl="1"/>
+            <a:r>
+              <a:rPr lang="zh-TW" altLang="en-US" dirty="0" smtClean="0"/>
+              <a:t>指令：</a:t>
+            </a:r>
+            <a:r>
+              <a:rPr lang="en-US" altLang="zh-TW" dirty="0"/>
+              <a:t> </a:t>
+            </a:r>
+            <a:r>
+              <a:rPr lang="en-US" altLang="zh-TW" dirty="0" err="1"/>
+              <a:t>os.system</a:t>
+            </a:r>
+            <a:r>
+              <a:rPr lang="en-US" altLang="zh-TW" dirty="0"/>
+              <a:t>("</a:t>
+            </a:r>
+            <a:r>
+              <a:rPr lang="en-US" altLang="zh-TW" dirty="0" err="1"/>
+              <a:t>cls</a:t>
+            </a:r>
+            <a:r>
+              <a:rPr lang="en-US" altLang="zh-TW" dirty="0" smtClean="0"/>
+              <a:t>")</a:t>
+            </a:r>
+          </a:p>
+          <a:p>
+            <a:r>
+              <a:rPr lang="zh-TW" altLang="en-US" dirty="0"/>
+              <a:t>指令執行後就</a:t>
+            </a:r>
+            <a:r>
+              <a:rPr lang="zh-TW" altLang="en-US" dirty="0" smtClean="0"/>
+              <a:t>會清除</a:t>
+            </a:r>
+            <a:r>
+              <a:rPr lang="en-US" altLang="zh-TW" dirty="0" smtClean="0"/>
+              <a:t>console</a:t>
+            </a:r>
+            <a:r>
+              <a:rPr lang="zh-TW" altLang="en-US" dirty="0" smtClean="0"/>
+              <a:t>的所有文字。</a:t>
+            </a:r>
+            <a:endParaRPr lang="zh-TW" altLang="en-US" dirty="0"/>
+          </a:p>
+        </p:txBody>
+      </p:sp>
+    </p:spTree>
+    <p:extLst>
+      <p:ext uri="{BB962C8B-B14F-4D97-AF65-F5344CB8AC3E}">
+        <p14:creationId xmlns:p14="http://schemas.microsoft.com/office/powerpoint/2010/main" val="982668603"/>
+      </p:ext>
+    </p:extLst>
+  </p:cSld>
+  <p:clrMapOvr>
+    <a:masterClrMapping/>
+  </p:clrMapOvr>
+  <p:timing>
+    <p:tnLst>
+      <p:par>
+        <p:cTn id="1" dur="indefinite" restart="never" nodeType="tmRoot"/>
+      </p:par>
+    </p:tnLst>
+  </p:timing>
+</p:sld>
+</file>
+
+<file path=ppt/slides/slide5.xml><?xml version="1.0" encoding="utf-8"?>
+<p:sld xmlns:a="http://schemas.openxmlformats.org/drawingml/2006/main" xmlns:r="http://schemas.openxmlformats.org/officeDocument/2006/relationships" xmlns:p="http://schemas.openxmlformats.org/presentationml/2006/main">
+  <p:cSld>
+    <p:spTree>
+      <p:nvGrpSpPr>
+        <p:cNvPr id="1" name=""/>
+        <p:cNvGrpSpPr/>
+        <p:nvPr/>
+      </p:nvGrpSpPr>
+      <p:grpSpPr>
+        <a:xfrm>
+          <a:off x="0" y="0"/>
+          <a:ext cx="0" cy="0"/>
+          <a:chOff x="0" y="0"/>
+          <a:chExt cx="0" cy="0"/>
+        </a:xfrm>
+      </p:grpSpPr>
+      <p:sp>
+        <p:nvSpPr>
+          <p:cNvPr id="3" name="內容版面配置區 2"/>
+          <p:cNvSpPr>
+            <a:spLocks noGrp="1"/>
+          </p:cNvSpPr>
+          <p:nvPr>
+            <p:ph idx="1"/>
+          </p:nvPr>
+        </p:nvSpPr>
+        <p:spPr/>
+        <p:txBody>
+          <a:bodyPr/>
+          <a:lstStyle/>
+          <a:p>
+            <a:r>
               <a:rPr lang="en-US" altLang="zh-TW" dirty="0" smtClean="0"/>
               <a:t>Level:</a:t>
             </a:r>
             <a:r>
               <a:rPr lang="zh-TW" altLang="en-US" dirty="0" smtClean="0"/>
-              <a:t>位數，</a:t>
-            </a:r>
-            <a:r>
-              <a:rPr lang="zh-TW" altLang="en-US" dirty="0" smtClean="0"/>
-              <a:t>等級</a:t>
+              <a:t>位數，等級</a:t>
             </a:r>
             <a:endParaRPr lang="en-US" altLang="zh-TW" dirty="0" smtClean="0"/>
           </a:p>
@@ -8096,19 +8609,15 @@
             </a:r>
             <a:r>
               <a:rPr lang="en-US" altLang="zh-TW" dirty="0" smtClean="0"/>
-              <a:t>(1,9*base-1))+base</a:t>
+              <a:t>(0,9*base-1</a:t>
+            </a:r>
+            <a:r>
+              <a:rPr lang="en-US" altLang="zh-TW" dirty="0" smtClean="0"/>
+              <a:t>))+base</a:t>
             </a:r>
             <a:r>
               <a:rPr lang="zh-TW" altLang="en-US" dirty="0" smtClean="0"/>
-              <a:t> </a:t>
-            </a:r>
-            <a:r>
-              <a:rPr lang="zh-TW" altLang="en-US" dirty="0" smtClean="0"/>
-              <a:t>所</a:t>
-            </a:r>
-            <a:r>
-              <a:rPr lang="zh-TW" altLang="en-US" dirty="0" smtClean="0"/>
-              <a:t>產生</a:t>
+              <a:t> 所產生</a:t>
             </a:r>
             <a:endParaRPr lang="en-US" altLang="zh-TW" dirty="0" smtClean="0"/>
           </a:p>
@@ -8132,14 +8641,10 @@
             </a:r>
             <a:r>
               <a:rPr lang="zh-TW" altLang="en-US" dirty="0" smtClean="0"/>
-              <a:t>，則</a:t>
-            </a:r>
-            <a:r>
-              <a:rPr lang="zh-TW" altLang="en-US" smtClean="0"/>
-              <a:t>上面是 </a:t>
-            </a:r>
-            <a:r>
-              <a:rPr lang="en-US" altLang="zh-TW" smtClean="0"/>
+              <a:t>，則上面是 </a:t>
+            </a:r>
+            <a:r>
+              <a:rPr lang="en-US" altLang="zh-TW" dirty="0" smtClean="0"/>
               <a:t>0 ~ 899</a:t>
             </a:r>
             <a:r>
@@ -8465,6 +8970,406 @@
     <p:bldLst>
       <p:bldP spid="36" grpId="0"/>
     </p:bldLst>
+  </p:timing>
+</p:sld>
+</file>
+
+<file path=ppt/slides/slide6.xml><?xml version="1.0" encoding="utf-8"?>
+<p:sld xmlns:a="http://schemas.openxmlformats.org/drawingml/2006/main" xmlns:r="http://schemas.openxmlformats.org/officeDocument/2006/relationships" xmlns:p="http://schemas.openxmlformats.org/presentationml/2006/main">
+  <p:cSld>
+    <p:spTree>
+      <p:nvGrpSpPr>
+        <p:cNvPr id="1" name=""/>
+        <p:cNvGrpSpPr/>
+        <p:nvPr/>
+      </p:nvGrpSpPr>
+      <p:grpSpPr>
+        <a:xfrm>
+          <a:off x="0" y="0"/>
+          <a:ext cx="0" cy="0"/>
+          <a:chOff x="0" y="0"/>
+          <a:chExt cx="0" cy="0"/>
+        </a:xfrm>
+      </p:grpSpPr>
+      <p:sp>
+        <p:nvSpPr>
+          <p:cNvPr id="5" name="標題 4"/>
+          <p:cNvSpPr>
+            <a:spLocks noGrp="1"/>
+          </p:cNvSpPr>
+          <p:nvPr>
+            <p:ph type="title"/>
+          </p:nvPr>
+        </p:nvSpPr>
+        <p:spPr/>
+        <p:txBody>
+          <a:bodyPr/>
+          <a:lstStyle/>
+          <a:p>
+            <a:r>
+              <a:rPr lang="zh-TW" altLang="en-US" dirty="0" smtClean="0"/>
+              <a:t>參考程式碼</a:t>
+            </a:r>
+            <a:endParaRPr lang="zh-TW" altLang="en-US" dirty="0"/>
+          </a:p>
+        </p:txBody>
+      </p:sp>
+      <p:sp>
+        <p:nvSpPr>
+          <p:cNvPr id="4" name="矩形 3"/>
+          <p:cNvSpPr/>
+          <p:nvPr/>
+        </p:nvSpPr>
+        <p:spPr>
+          <a:xfrm>
+            <a:off x="440268" y="1930400"/>
+            <a:ext cx="9398676" cy="3970318"/>
+          </a:xfrm>
+          <a:prstGeom prst="rect">
+            <a:avLst/>
+          </a:prstGeom>
+          <a:solidFill>
+            <a:schemeClr val="tx1">
+              <a:lumMod val="85000"/>
+              <a:lumOff val="15000"/>
+            </a:schemeClr>
+          </a:solidFill>
+        </p:spPr>
+        <p:txBody>
+          <a:bodyPr wrap="square" numCol="2">
+            <a:spAutoFit/>
+          </a:bodyPr>
+          <a:lstStyle/>
+          <a:p>
+            <a:r>
+              <a:rPr lang="zh-TW" altLang="en-US" dirty="0">
+                <a:solidFill>
+                  <a:schemeClr val="bg1"/>
+                </a:solidFill>
+              </a:rPr>
+              <a:t>import random</a:t>
+            </a:r>
+          </a:p>
+          <a:p>
+            <a:r>
+              <a:rPr lang="zh-TW" altLang="en-US" dirty="0">
+                <a:solidFill>
+                  <a:schemeClr val="bg1"/>
+                </a:solidFill>
+              </a:rPr>
+              <a:t>import os</a:t>
+            </a:r>
+          </a:p>
+          <a:p>
+            <a:endParaRPr lang="zh-TW" altLang="en-US" dirty="0">
+              <a:solidFill>
+                <a:schemeClr val="bg1"/>
+              </a:solidFill>
+            </a:endParaRPr>
+          </a:p>
+          <a:p>
+            <a:endParaRPr lang="zh-TW" altLang="en-US" dirty="0">
+              <a:solidFill>
+                <a:schemeClr val="bg1"/>
+              </a:solidFill>
+            </a:endParaRPr>
+          </a:p>
+          <a:p>
+            <a:r>
+              <a:rPr lang="zh-TW" altLang="en-US" dirty="0">
+                <a:solidFill>
+                  <a:schemeClr val="bg1"/>
+                </a:solidFill>
+              </a:rPr>
+              <a:t>level = 3</a:t>
+            </a:r>
+          </a:p>
+          <a:p>
+            <a:r>
+              <a:rPr lang="zh-TW" altLang="en-US" dirty="0">
+                <a:solidFill>
+                  <a:schemeClr val="bg1"/>
+                </a:solidFill>
+              </a:rPr>
+              <a:t>base = 100</a:t>
+            </a:r>
+          </a:p>
+          <a:p>
+            <a:r>
+              <a:rPr lang="zh-TW" altLang="en-US" dirty="0">
+                <a:solidFill>
+                  <a:schemeClr val="bg1"/>
+                </a:solidFill>
+              </a:rPr>
+              <a:t> </a:t>
+            </a:r>
+          </a:p>
+          <a:p>
+            <a:r>
+              <a:rPr lang="zh-TW" altLang="en-US" dirty="0">
+                <a:solidFill>
+                  <a:schemeClr val="bg1"/>
+                </a:solidFill>
+              </a:rPr>
+              <a:t>while True:</a:t>
+            </a:r>
+          </a:p>
+          <a:p>
+            <a:r>
+              <a:rPr lang="zh-TW" altLang="en-US" dirty="0">
+                <a:solidFill>
+                  <a:schemeClr val="bg1"/>
+                </a:solidFill>
+              </a:rPr>
+              <a:t>    num=random.randint(0, 9*base-1)+base</a:t>
+            </a:r>
+          </a:p>
+          <a:p>
+            <a:r>
+              <a:rPr lang="zh-TW" altLang="en-US" dirty="0">
+                <a:solidFill>
+                  <a:schemeClr val="bg1"/>
+                </a:solidFill>
+              </a:rPr>
+              <a:t>    print("請記憶：",num)</a:t>
+            </a:r>
+          </a:p>
+          <a:p>
+            <a:r>
+              <a:rPr lang="zh-TW" altLang="en-US" dirty="0">
+                <a:solidFill>
+                  <a:schemeClr val="bg1"/>
+                </a:solidFill>
+              </a:rPr>
+              <a:t>    </a:t>
+            </a:r>
+          </a:p>
+          <a:p>
+            <a:r>
+              <a:rPr lang="zh-TW" altLang="en-US" dirty="0">
+                <a:solidFill>
+                  <a:schemeClr val="bg1"/>
+                </a:solidFill>
+              </a:rPr>
+              <a:t>    temp=input("按下Enter開始\n")</a:t>
+            </a:r>
+          </a:p>
+          <a:p>
+            <a:r>
+              <a:rPr lang="zh-TW" altLang="en-US" dirty="0">
+                <a:solidFill>
+                  <a:schemeClr val="bg1"/>
+                </a:solidFill>
+              </a:rPr>
+              <a:t>    </a:t>
+            </a:r>
+          </a:p>
+          <a:p>
+            <a:r>
+              <a:rPr lang="zh-TW" altLang="en-US" dirty="0">
+                <a:solidFill>
+                  <a:schemeClr val="bg1"/>
+                </a:solidFill>
+              </a:rPr>
+              <a:t>    os.system("cls")</a:t>
+            </a:r>
+          </a:p>
+          <a:p>
+            <a:r>
+              <a:rPr lang="zh-TW" altLang="en-US" dirty="0">
+                <a:solidFill>
+                  <a:schemeClr val="bg1"/>
+                </a:solidFill>
+              </a:rPr>
+              <a:t>    </a:t>
+            </a:r>
+          </a:p>
+          <a:p>
+            <a:r>
+              <a:rPr lang="zh-TW" altLang="en-US" dirty="0">
+                <a:solidFill>
+                  <a:schemeClr val="bg1"/>
+                </a:solidFill>
+              </a:rPr>
+              <a:t>    guess = eval(input("請輸入答案："))</a:t>
+            </a:r>
+          </a:p>
+          <a:p>
+            <a:r>
+              <a:rPr lang="zh-TW" altLang="en-US" dirty="0">
+                <a:solidFill>
+                  <a:schemeClr val="bg1"/>
+                </a:solidFill>
+              </a:rPr>
+              <a:t>    </a:t>
+            </a:r>
+          </a:p>
+          <a:p>
+            <a:r>
+              <a:rPr lang="zh-TW" altLang="en-US" dirty="0">
+                <a:solidFill>
+                  <a:schemeClr val="bg1"/>
+                </a:solidFill>
+              </a:rPr>
+              <a:t>    if guess == num:</a:t>
+            </a:r>
+          </a:p>
+          <a:p>
+            <a:r>
+              <a:rPr lang="zh-TW" altLang="en-US" dirty="0">
+                <a:solidFill>
+                  <a:schemeClr val="bg1"/>
+                </a:solidFill>
+              </a:rPr>
+              <a:t>        print("正確！\n\n")</a:t>
+            </a:r>
+          </a:p>
+          <a:p>
+            <a:r>
+              <a:rPr lang="zh-TW" altLang="en-US" dirty="0">
+                <a:solidFill>
+                  <a:schemeClr val="bg1"/>
+                </a:solidFill>
+              </a:rPr>
+              <a:t>        level = level+1</a:t>
+            </a:r>
+          </a:p>
+          <a:p>
+            <a:r>
+              <a:rPr lang="zh-TW" altLang="en-US" dirty="0">
+                <a:solidFill>
+                  <a:schemeClr val="bg1"/>
+                </a:solidFill>
+              </a:rPr>
+              <a:t>        base = base * 10</a:t>
+            </a:r>
+          </a:p>
+          <a:p>
+            <a:r>
+              <a:rPr lang="zh-TW" altLang="en-US" dirty="0">
+                <a:solidFill>
+                  <a:schemeClr val="bg1"/>
+                </a:solidFill>
+              </a:rPr>
+              <a:t>    else:</a:t>
+            </a:r>
+          </a:p>
+          <a:p>
+            <a:r>
+              <a:rPr lang="zh-TW" altLang="en-US" dirty="0">
+                <a:solidFill>
+                  <a:schemeClr val="bg1"/>
+                </a:solidFill>
+              </a:rPr>
+              <a:t>        print("錯誤！\n\n")</a:t>
+            </a:r>
+          </a:p>
+          <a:p>
+            <a:r>
+              <a:rPr lang="zh-TW" altLang="en-US" dirty="0">
+                <a:solidFill>
+                  <a:schemeClr val="bg1"/>
+                </a:solidFill>
+              </a:rPr>
+              <a:t>        level = level-1</a:t>
+            </a:r>
+          </a:p>
+          <a:p>
+            <a:r>
+              <a:rPr lang="zh-TW" altLang="en-US" dirty="0">
+                <a:solidFill>
+                  <a:schemeClr val="bg1"/>
+                </a:solidFill>
+              </a:rPr>
+              <a:t>        base = base // 10</a:t>
+            </a:r>
+          </a:p>
+          <a:p>
+            <a:r>
+              <a:rPr lang="zh-TW" altLang="en-US" dirty="0">
+                <a:solidFill>
+                  <a:schemeClr val="bg1"/>
+                </a:solidFill>
+              </a:rPr>
+              <a:t>        if level &lt; 3:</a:t>
+            </a:r>
+          </a:p>
+          <a:p>
+            <a:r>
+              <a:rPr lang="zh-TW" altLang="en-US" dirty="0">
+                <a:solidFill>
+                  <a:schemeClr val="bg1"/>
+                </a:solidFill>
+              </a:rPr>
+              <a:t>            level = 3</a:t>
+            </a:r>
+          </a:p>
+          <a:p>
+            <a:r>
+              <a:rPr lang="zh-TW" altLang="en-US" dirty="0">
+                <a:solidFill>
+                  <a:schemeClr val="bg1"/>
+                </a:solidFill>
+              </a:rPr>
+              <a:t>            base = 100</a:t>
+            </a:r>
+          </a:p>
+        </p:txBody>
+      </p:sp>
+      <p:cxnSp>
+        <p:nvCxnSpPr>
+          <p:cNvPr id="7" name="直線接點 6"/>
+          <p:cNvCxnSpPr>
+            <a:stCxn id="4" idx="0"/>
+            <a:endCxn id="4" idx="2"/>
+          </p:cNvCxnSpPr>
+          <p:nvPr/>
+        </p:nvCxnSpPr>
+        <p:spPr>
+          <a:xfrm>
+            <a:off x="5139606" y="1930400"/>
+            <a:ext cx="0" cy="3970318"/>
+          </a:xfrm>
+          <a:prstGeom prst="line">
+            <a:avLst/>
+          </a:prstGeom>
+          <a:ln>
+            <a:solidFill>
+              <a:srgbClr val="FFFF00"/>
+            </a:solidFill>
+          </a:ln>
+        </p:spPr>
+        <p:style>
+          <a:lnRef idx="1">
+            <a:schemeClr val="accent1"/>
+          </a:lnRef>
+          <a:fillRef idx="0">
+            <a:schemeClr val="accent1"/>
+          </a:fillRef>
+          <a:effectRef idx="0">
+            <a:schemeClr val="accent1"/>
+          </a:effectRef>
+          <a:fontRef idx="minor">
+            <a:schemeClr val="tx1"/>
+          </a:fontRef>
+        </p:style>
+      </p:cxnSp>
+    </p:spTree>
+    <p:extLst>
+      <p:ext uri="{BB962C8B-B14F-4D97-AF65-F5344CB8AC3E}">
+        <p14:creationId xmlns:p14="http://schemas.microsoft.com/office/powerpoint/2010/main" val="765517614"/>
+      </p:ext>
+    </p:extLst>
+  </p:cSld>
+  <p:clrMapOvr>
+    <a:masterClrMapping/>
+  </p:clrMapOvr>
+  <p:timing>
+    <p:tnLst>
+      <p:par>
+        <p:cTn id="1" dur="indefinite" restart="never" nodeType="tmRoot"/>
+      </p:par>
+    </p:tnLst>
   </p:timing>
 </p:sld>
 </file>
